--- a/Daily Agendas/Day06.5_MotorPrinciple.pptx
+++ b/Daily Agendas/Day06.5_MotorPrinciple.pptx
@@ -303,7 +303,7 @@
             <a:fld id="{1D8BD707-D9CF-40AE-B4C6-C98DA3205C09}" type="datetimeFigureOut">
               <a:rPr lang="en-US" smtClean="0"/>
               <a:pPr/>
-              <a:t>3/12/2020</a:t>
+              <a:t>3/13/2020</a:t>
             </a:fld>
             <a:endParaRPr lang="en-US"/>
           </a:p>
@@ -468,7 +468,7 @@
             <a:fld id="{1D8BD707-D9CF-40AE-B4C6-C98DA3205C09}" type="datetimeFigureOut">
               <a:rPr lang="en-US" smtClean="0"/>
               <a:pPr/>
-              <a:t>3/12/2020</a:t>
+              <a:t>3/13/2020</a:t>
             </a:fld>
             <a:endParaRPr lang="en-US"/>
           </a:p>
@@ -643,7 +643,7 @@
             <a:fld id="{1D8BD707-D9CF-40AE-B4C6-C98DA3205C09}" type="datetimeFigureOut">
               <a:rPr lang="en-US" smtClean="0"/>
               <a:pPr/>
-              <a:t>3/12/2020</a:t>
+              <a:t>3/13/2020</a:t>
             </a:fld>
             <a:endParaRPr lang="en-US"/>
           </a:p>
@@ -808,7 +808,7 @@
             <a:fld id="{1D8BD707-D9CF-40AE-B4C6-C98DA3205C09}" type="datetimeFigureOut">
               <a:rPr lang="en-US" smtClean="0"/>
               <a:pPr/>
-              <a:t>3/12/2020</a:t>
+              <a:t>3/13/2020</a:t>
             </a:fld>
             <a:endParaRPr lang="en-US"/>
           </a:p>
@@ -1050,7 +1050,7 @@
             <a:fld id="{1D8BD707-D9CF-40AE-B4C6-C98DA3205C09}" type="datetimeFigureOut">
               <a:rPr lang="en-US" smtClean="0"/>
               <a:pPr/>
-              <a:t>3/12/2020</a:t>
+              <a:t>3/13/2020</a:t>
             </a:fld>
             <a:endParaRPr lang="en-US"/>
           </a:p>
@@ -1332,7 +1332,7 @@
             <a:fld id="{1D8BD707-D9CF-40AE-B4C6-C98DA3205C09}" type="datetimeFigureOut">
               <a:rPr lang="en-US" smtClean="0"/>
               <a:pPr/>
-              <a:t>3/12/2020</a:t>
+              <a:t>3/13/2020</a:t>
             </a:fld>
             <a:endParaRPr lang="en-US"/>
           </a:p>
@@ -1748,7 +1748,7 @@
             <a:fld id="{1D8BD707-D9CF-40AE-B4C6-C98DA3205C09}" type="datetimeFigureOut">
               <a:rPr lang="en-US" smtClean="0"/>
               <a:pPr/>
-              <a:t>3/12/2020</a:t>
+              <a:t>3/13/2020</a:t>
             </a:fld>
             <a:endParaRPr lang="en-US"/>
           </a:p>
@@ -1862,7 +1862,7 @@
             <a:fld id="{1D8BD707-D9CF-40AE-B4C6-C98DA3205C09}" type="datetimeFigureOut">
               <a:rPr lang="en-US" smtClean="0"/>
               <a:pPr/>
-              <a:t>3/12/2020</a:t>
+              <a:t>3/13/2020</a:t>
             </a:fld>
             <a:endParaRPr lang="en-US"/>
           </a:p>
@@ -1954,7 +1954,7 @@
             <a:fld id="{1D8BD707-D9CF-40AE-B4C6-C98DA3205C09}" type="datetimeFigureOut">
               <a:rPr lang="en-US" smtClean="0"/>
               <a:pPr/>
-              <a:t>3/12/2020</a:t>
+              <a:t>3/13/2020</a:t>
             </a:fld>
             <a:endParaRPr lang="en-US"/>
           </a:p>
@@ -2226,7 +2226,7 @@
             <a:fld id="{1D8BD707-D9CF-40AE-B4C6-C98DA3205C09}" type="datetimeFigureOut">
               <a:rPr lang="en-US" smtClean="0"/>
               <a:pPr/>
-              <a:t>3/12/2020</a:t>
+              <a:t>3/13/2020</a:t>
             </a:fld>
             <a:endParaRPr lang="en-US"/>
           </a:p>
@@ -2475,7 +2475,7 @@
             <a:fld id="{1D8BD707-D9CF-40AE-B4C6-C98DA3205C09}" type="datetimeFigureOut">
               <a:rPr lang="en-US" smtClean="0"/>
               <a:pPr/>
-              <a:t>3/12/2020</a:t>
+              <a:t>3/13/2020</a:t>
             </a:fld>
             <a:endParaRPr lang="en-US"/>
           </a:p>
@@ -2683,7 +2683,7 @@
             <a:fld id="{1D8BD707-D9CF-40AE-B4C6-C98DA3205C09}" type="datetimeFigureOut">
               <a:rPr lang="en-US" smtClean="0"/>
               <a:pPr/>
-              <a:t>3/12/2020</a:t>
+              <a:t>3/13/2020</a:t>
             </a:fld>
             <a:endParaRPr lang="en-US"/>
           </a:p>
@@ -3077,11 +3077,7 @@
             </a:r>
             <a:r>
               <a:rPr lang="en-US" dirty="0" smtClean="0"/>
-              <a:t>– Mar </a:t>
-            </a:r>
-            <a:r>
-              <a:rPr lang="en-US" dirty="0" smtClean="0"/>
-              <a:t>13</a:t>
+              <a:t>– Mar 13</a:t>
             </a:r>
             <a:r>
               <a:rPr lang="en-US" dirty="0"/>
@@ -3115,7 +3111,7 @@
         <p:spPr/>
         <p:txBody>
           <a:bodyPr>
-            <a:normAutofit/>
+            <a:normAutofit fontScale="92500" lnSpcReduction="20000"/>
           </a:bodyPr>
           <a:lstStyle/>
           <a:p>
@@ -3129,26 +3125,14 @@
             <a:pPr lvl="1"/>
             <a:r>
               <a:rPr lang="en-CA" sz="2400" dirty="0" smtClean="0"/>
-              <a:t>Lenz’s </a:t>
-            </a:r>
-            <a:r>
-              <a:rPr lang="en-CA" sz="2400" dirty="0" smtClean="0"/>
-              <a:t>Law – Magnetic Induction:</a:t>
+              <a:t>Lenz’s Law – Magnetic Induction:</a:t>
             </a:r>
           </a:p>
           <a:p>
             <a:pPr lvl="2"/>
             <a:r>
               <a:rPr lang="en-CA" sz="2000" dirty="0" smtClean="0"/>
-              <a:t>Activity</a:t>
-            </a:r>
-            <a:r>
-              <a:rPr lang="en-CA" sz="2000" dirty="0" smtClean="0"/>
-              <a:t>: Induction </a:t>
-            </a:r>
-            <a:r>
-              <a:rPr lang="en-CA" sz="2000" dirty="0" smtClean="0"/>
-              <a:t>Investigation</a:t>
+              <a:t>Activity: Induction Investigation</a:t>
             </a:r>
           </a:p>
           <a:p>
@@ -3185,7 +3169,7 @@
           <a:p>
             <a:pPr lvl="2"/>
             <a:r>
-              <a:rPr lang="en-CA" sz="2000" smtClean="0"/>
+              <a:rPr lang="en-CA" sz="2000" dirty="0" smtClean="0"/>
               <a:t>Magnetism </a:t>
             </a:r>
             <a:r>
@@ -3215,12 +3199,74 @@
             <a:pPr lvl="1"/>
             <a:r>
               <a:rPr lang="en-CA" sz="2400" dirty="0" smtClean="0"/>
-              <a:t>Tomorrow: induction Investigation / Motor Principle</a:t>
-            </a:r>
-            <a:endParaRPr lang="en-CA" sz="2400" dirty="0"/>
-          </a:p>
-        </p:txBody>
-      </p:sp>
+              <a:t>When we get back (April 5?)</a:t>
+            </a:r>
+          </a:p>
+          <a:p>
+            <a:pPr lvl="2"/>
+            <a:r>
+              <a:rPr lang="en-CA" sz="2000" dirty="0" smtClean="0"/>
+              <a:t>Monday: Electric Motors Activity</a:t>
+            </a:r>
+          </a:p>
+          <a:p>
+            <a:pPr lvl="2"/>
+            <a:r>
+              <a:rPr lang="en-CA" sz="2000" dirty="0" smtClean="0"/>
+              <a:t>Tuesday: Magnetism Review</a:t>
+            </a:r>
+          </a:p>
+          <a:p>
+            <a:pPr lvl="2"/>
+            <a:r>
+              <a:rPr lang="en-CA" sz="2000" dirty="0" smtClean="0"/>
+              <a:t>Wednesday: Magnetism Quest</a:t>
+            </a:r>
+            <a:endParaRPr lang="en-CA" sz="2000" dirty="0"/>
+          </a:p>
+        </p:txBody>
+      </p:sp>
+      <p:pic>
+        <p:nvPicPr>
+          <p:cNvPr id="1026" name="Picture 2" descr="Image result for bride of frankenstein electricity"/>
+          <p:cNvPicPr>
+            <a:picLocks noChangeAspect="1" noChangeArrowheads="1"/>
+          </p:cNvPicPr>
+          <p:nvPr/>
+        </p:nvPicPr>
+        <p:blipFill>
+          <a:blip r:embed="rId2">
+            <a:extLst>
+              <a:ext uri="{28A0092B-C50C-407E-A947-70E740481C1C}">
+                <a14:useLocalDpi xmlns:a14="http://schemas.microsoft.com/office/drawing/2010/main" val="0"/>
+              </a:ext>
+            </a:extLst>
+          </a:blip>
+          <a:srcRect/>
+          <a:stretch>
+            <a:fillRect/>
+          </a:stretch>
+        </p:blipFill>
+        <p:spPr bwMode="auto">
+          <a:xfrm rot="579985">
+            <a:off x="5842271" y="2406707"/>
+            <a:ext cx="2622559" cy="3278199"/>
+          </a:xfrm>
+          <a:prstGeom prst="rect">
+            <a:avLst/>
+          </a:prstGeom>
+          <a:noFill/>
+          <a:extLst>
+            <a:ext uri="{909E8E84-426E-40DD-AFC4-6F175D3DCCD1}">
+              <a14:hiddenFill xmlns:a14="http://schemas.microsoft.com/office/drawing/2010/main">
+                <a:solidFill>
+                  <a:srgbClr val="FFFFFF"/>
+                </a:solidFill>
+              </a14:hiddenFill>
+            </a:ext>
+          </a:extLst>
+        </p:spPr>
+      </p:pic>
     </p:spTree>
   </p:cSld>
   <p:clrMapOvr>
